--- a/_Resources/Turing Simulator.pptx
+++ b/_Resources/Turing Simulator.pptx
@@ -5,7 +5,7 @@
     <p:sldMasterId id="2147483669" r:id="rId1"/>
   </p:sldMasterIdLst>
   <p:notesMasterIdLst>
-    <p:notesMasterId r:id="rId8"/>
+    <p:notesMasterId r:id="rId12"/>
   </p:notesMasterIdLst>
   <p:sldIdLst>
     <p:sldId id="256" r:id="rId2"/>
@@ -14,6 +14,10 @@
     <p:sldId id="260" r:id="rId5"/>
     <p:sldId id="258" r:id="rId6"/>
     <p:sldId id="261" r:id="rId7"/>
+    <p:sldId id="267" r:id="rId8"/>
+    <p:sldId id="263" r:id="rId9"/>
+    <p:sldId id="264" r:id="rId10"/>
+    <p:sldId id="265" r:id="rId11"/>
   </p:sldIdLst>
   <p:sldSz cx="12192000" cy="6858000"/>
   <p:notesSz cx="6858000" cy="9144000"/>
@@ -4585,6 +4589,153 @@
 </p:sld>
 </file>
 
+<file path=ppt/slides/slide10.xml><?xml version="1.0" encoding="utf-8"?>
+<p:sld xmlns:a="http://schemas.openxmlformats.org/drawingml/2006/main" xmlns:r="http://schemas.openxmlformats.org/officeDocument/2006/relationships" xmlns:p="http://schemas.openxmlformats.org/presentationml/2006/main">
+  <p:cSld>
+    <p:spTree>
+      <p:nvGrpSpPr>
+        <p:cNvPr id="1" name=""/>
+        <p:cNvGrpSpPr/>
+        <p:nvPr/>
+      </p:nvGrpSpPr>
+      <p:grpSpPr>
+        <a:xfrm>
+          <a:off x="0" y="0"/>
+          <a:ext cx="0" cy="0"/>
+          <a:chOff x="0" y="0"/>
+          <a:chExt cx="0" cy="0"/>
+        </a:xfrm>
+      </p:grpSpPr>
+      <p:sp>
+        <p:nvSpPr>
+          <p:cNvPr id="7" name="Titel 6"/>
+          <p:cNvSpPr>
+            <a:spLocks noGrp="1"/>
+          </p:cNvSpPr>
+          <p:nvPr>
+            <p:ph type="title"/>
+          </p:nvPr>
+        </p:nvSpPr>
+        <p:spPr/>
+        <p:txBody>
+          <a:bodyPr/>
+          <a:lstStyle/>
+          <a:p>
+            <a:r>
+              <a:rPr lang="de-DE" dirty="0" smtClean="0">
+                <a:sym typeface="Wingdings" panose="05000000000000000000" pitchFamily="2" charset="2"/>
+              </a:rPr>
+              <a:t>Ende! </a:t>
+            </a:r>
+            <a:endParaRPr lang="de-DE" dirty="0"/>
+          </a:p>
+        </p:txBody>
+      </p:sp>
+      <p:sp>
+        <p:nvSpPr>
+          <p:cNvPr id="8" name="Textplatzhalter 7"/>
+          <p:cNvSpPr>
+            <a:spLocks noGrp="1"/>
+          </p:cNvSpPr>
+          <p:nvPr>
+            <p:ph type="body" idx="1"/>
+          </p:nvPr>
+        </p:nvSpPr>
+        <p:spPr/>
+        <p:txBody>
+          <a:bodyPr/>
+          <a:lstStyle/>
+          <a:p>
+            <a:r>
+              <a:rPr lang="de-DE" dirty="0" smtClean="0"/>
+              <a:t>Vielen Dank!</a:t>
+            </a:r>
+            <a:endParaRPr lang="de-DE" dirty="0"/>
+          </a:p>
+        </p:txBody>
+      </p:sp>
+      <p:sp>
+        <p:nvSpPr>
+          <p:cNvPr id="4" name="Datumsplatzhalter 3"/>
+          <p:cNvSpPr>
+            <a:spLocks noGrp="1"/>
+          </p:cNvSpPr>
+          <p:nvPr>
+            <p:ph type="dt" sz="half" idx="10"/>
+          </p:nvPr>
+        </p:nvSpPr>
+        <p:spPr/>
+        <p:txBody>
+          <a:bodyPr/>
+          <a:lstStyle/>
+          <a:p>
+            <a:fld id="{B594FCFF-5F1A-489A-9D69-600A8F46398E}" type="datetime1">
+              <a:rPr lang="de-DE" smtClean="0"/>
+              <a:t>01.02.2015</a:t>
+            </a:fld>
+            <a:endParaRPr lang="en-US" dirty="0"/>
+          </a:p>
+        </p:txBody>
+      </p:sp>
+      <p:sp>
+        <p:nvSpPr>
+          <p:cNvPr id="5" name="Fußzeilenplatzhalter 4"/>
+          <p:cNvSpPr>
+            <a:spLocks noGrp="1"/>
+          </p:cNvSpPr>
+          <p:nvPr>
+            <p:ph type="ftr" sz="quarter" idx="11"/>
+          </p:nvPr>
+        </p:nvSpPr>
+        <p:spPr/>
+        <p:txBody>
+          <a:bodyPr/>
+          <a:lstStyle/>
+          <a:p>
+            <a:r>
+              <a:rPr lang="en-US" smtClean="0"/>
+              <a:t>Sascha Schwegelbauer / sascha@schwegelbauer.de</a:t>
+            </a:r>
+            <a:endParaRPr lang="en-US" dirty="0"/>
+          </a:p>
+        </p:txBody>
+      </p:sp>
+      <p:sp>
+        <p:nvSpPr>
+          <p:cNvPr id="6" name="Foliennummernplatzhalter 5"/>
+          <p:cNvSpPr>
+            <a:spLocks noGrp="1"/>
+          </p:cNvSpPr>
+          <p:nvPr>
+            <p:ph type="sldNum" sz="quarter" idx="12"/>
+          </p:nvPr>
+        </p:nvSpPr>
+        <p:spPr/>
+        <p:txBody>
+          <a:bodyPr/>
+          <a:lstStyle/>
+          <a:p>
+            <a:fld id="{519954A3-9DFD-4C44-94BA-B95130A3BA1C}" type="slidenum">
+              <a:rPr lang="en-US" smtClean="0"/>
+              <a:t>10</a:t>
+            </a:fld>
+            <a:endParaRPr lang="en-US" dirty="0"/>
+          </a:p>
+        </p:txBody>
+      </p:sp>
+    </p:spTree>
+    <p:extLst>
+      <p:ext uri="{BB962C8B-B14F-4D97-AF65-F5344CB8AC3E}">
+        <p14:creationId xmlns:p14="http://schemas.microsoft.com/office/powerpoint/2010/main" val="3210503839"/>
+      </p:ext>
+    </p:extLst>
+  </p:cSld>
+  <p:clrMapOvr>
+    <a:masterClrMapping/>
+  </p:clrMapOvr>
+</p:sld>
+</file>
+
 <file path=ppt/slides/slide2.xml><?xml version="1.0" encoding="utf-8"?>
 <p:sld xmlns:a="http://schemas.openxmlformats.org/drawingml/2006/main" xmlns:r="http://schemas.openxmlformats.org/officeDocument/2006/relationships" xmlns:p="http://schemas.openxmlformats.org/presentationml/2006/main">
   <p:cSld>
@@ -7293,6 +7444,1608 @@
       </p:par>
     </p:tnLst>
   </p:timing>
+</p:sld>
+</file>
+
+<file path=ppt/slides/slide7.xml><?xml version="1.0" encoding="utf-8"?>
+<p:sld xmlns:a="http://schemas.openxmlformats.org/drawingml/2006/main" xmlns:r="http://schemas.openxmlformats.org/officeDocument/2006/relationships" xmlns:p="http://schemas.openxmlformats.org/presentationml/2006/main">
+  <p:cSld>
+    <p:spTree>
+      <p:nvGrpSpPr>
+        <p:cNvPr id="1" name=""/>
+        <p:cNvGrpSpPr/>
+        <p:nvPr/>
+      </p:nvGrpSpPr>
+      <p:grpSpPr>
+        <a:xfrm>
+          <a:off x="0" y="0"/>
+          <a:ext cx="0" cy="0"/>
+          <a:chOff x="0" y="0"/>
+          <a:chExt cx="0" cy="0"/>
+        </a:xfrm>
+      </p:grpSpPr>
+      <p:sp>
+        <p:nvSpPr>
+          <p:cNvPr id="2" name="Titel 1"/>
+          <p:cNvSpPr>
+            <a:spLocks noGrp="1"/>
+          </p:cNvSpPr>
+          <p:nvPr>
+            <p:ph type="title"/>
+          </p:nvPr>
+        </p:nvSpPr>
+        <p:spPr/>
+        <p:txBody>
+          <a:bodyPr/>
+          <a:lstStyle/>
+          <a:p>
+            <a:r>
+              <a:rPr lang="de-DE" dirty="0" smtClean="0"/>
+              <a:t>Klassendiagramm (vereinfacht)</a:t>
+            </a:r>
+            <a:endParaRPr lang="de-DE" dirty="0"/>
+          </a:p>
+        </p:txBody>
+      </p:sp>
+      <p:sp>
+        <p:nvSpPr>
+          <p:cNvPr id="13" name="Textfeld 12"/>
+          <p:cNvSpPr txBox="1"/>
+          <p:nvPr/>
+        </p:nvSpPr>
+        <p:spPr>
+          <a:xfrm>
+            <a:off x="3521827" y="2571366"/>
+            <a:ext cx="2741452" cy="570806"/>
+          </a:xfrm>
+          <a:prstGeom prst="rect">
+            <a:avLst/>
+          </a:prstGeom>
+        </p:spPr>
+        <p:style>
+          <a:lnRef idx="2">
+            <a:schemeClr val="accent1">
+              <a:shade val="50000"/>
+            </a:schemeClr>
+          </a:lnRef>
+          <a:fillRef idx="1">
+            <a:schemeClr val="accent1"/>
+          </a:fillRef>
+          <a:effectRef idx="0">
+            <a:schemeClr val="accent1"/>
+          </a:effectRef>
+          <a:fontRef idx="minor">
+            <a:schemeClr val="lt1"/>
+          </a:fontRef>
+        </p:style>
+        <p:txBody>
+          <a:bodyPr rot="0" spcFirstLastPara="0" vertOverflow="overflow" horzOverflow="overflow" vert="horz" wrap="square" lIns="91440" tIns="45720" rIns="91440" bIns="45720" numCol="1" spcCol="0" rtlCol="0" fromWordArt="0" anchor="t" anchorCtr="0" forceAA="0" compatLnSpc="1">
+            <a:prstTxWarp prst="textNoShape">
+              <a:avLst/>
+            </a:prstTxWarp>
+            <a:noAutofit/>
+          </a:bodyPr>
+          <a:lstStyle>
+            <a:defPPr>
+              <a:defRPr lang="en-US"/>
+            </a:defPPr>
+            <a:lvl1pPr algn="ctr">
+              <a:defRPr>
+                <a:solidFill>
+                  <a:schemeClr val="lt1"/>
+                </a:solidFill>
+              </a:defRPr>
+            </a:lvl1pPr>
+            <a:lvl2pPr>
+              <a:defRPr>
+                <a:solidFill>
+                  <a:schemeClr val="lt1"/>
+                </a:solidFill>
+              </a:defRPr>
+            </a:lvl2pPr>
+            <a:lvl3pPr>
+              <a:defRPr>
+                <a:solidFill>
+                  <a:schemeClr val="lt1"/>
+                </a:solidFill>
+              </a:defRPr>
+            </a:lvl3pPr>
+            <a:lvl4pPr>
+              <a:defRPr>
+                <a:solidFill>
+                  <a:schemeClr val="lt1"/>
+                </a:solidFill>
+              </a:defRPr>
+            </a:lvl4pPr>
+            <a:lvl5pPr>
+              <a:defRPr>
+                <a:solidFill>
+                  <a:schemeClr val="lt1"/>
+                </a:solidFill>
+              </a:defRPr>
+            </a:lvl5pPr>
+            <a:lvl6pPr>
+              <a:defRPr>
+                <a:solidFill>
+                  <a:schemeClr val="lt1"/>
+                </a:solidFill>
+              </a:defRPr>
+            </a:lvl6pPr>
+            <a:lvl7pPr>
+              <a:defRPr>
+                <a:solidFill>
+                  <a:schemeClr val="lt1"/>
+                </a:solidFill>
+              </a:defRPr>
+            </a:lvl7pPr>
+            <a:lvl8pPr>
+              <a:defRPr>
+                <a:solidFill>
+                  <a:schemeClr val="lt1"/>
+                </a:solidFill>
+              </a:defRPr>
+            </a:lvl8pPr>
+            <a:lvl9pPr>
+              <a:defRPr>
+                <a:solidFill>
+                  <a:schemeClr val="lt1"/>
+                </a:solidFill>
+              </a:defRPr>
+            </a:lvl9pPr>
+          </a:lstStyle>
+          <a:p>
+            <a:r>
+              <a:rPr lang="de-DE" sz="1600" b="1" dirty="0" smtClean="0">
+                <a:solidFill>
+                  <a:schemeClr val="tx1"/>
+                </a:solidFill>
+              </a:rPr>
+              <a:t>CPP::Core::</a:t>
+            </a:r>
+            <a:r>
+              <a:rPr lang="de-DE" sz="1600" b="1" dirty="0" err="1" smtClean="0">
+                <a:solidFill>
+                  <a:schemeClr val="tx1"/>
+                </a:solidFill>
+              </a:rPr>
+              <a:t>TuringLogic</a:t>
+            </a:r>
+            <a:endParaRPr lang="de-DE" sz="1600" b="1" dirty="0" smtClean="0">
+              <a:solidFill>
+                <a:schemeClr val="tx1"/>
+              </a:solidFill>
+            </a:endParaRPr>
+          </a:p>
+          <a:p>
+            <a:endParaRPr lang="de-DE" sz="1600" dirty="0">
+              <a:solidFill>
+                <a:schemeClr val="tx1"/>
+              </a:solidFill>
+            </a:endParaRPr>
+          </a:p>
+        </p:txBody>
+      </p:sp>
+      <p:sp>
+        <p:nvSpPr>
+          <p:cNvPr id="33" name="Textfeld 32"/>
+          <p:cNvSpPr txBox="1"/>
+          <p:nvPr/>
+        </p:nvSpPr>
+        <p:spPr>
+          <a:xfrm>
+            <a:off x="1069849" y="2571366"/>
+            <a:ext cx="2206752" cy="2290194"/>
+          </a:xfrm>
+          <a:prstGeom prst="rect">
+            <a:avLst/>
+          </a:prstGeom>
+        </p:spPr>
+        <p:style>
+          <a:lnRef idx="2">
+            <a:schemeClr val="accent1">
+              <a:shade val="50000"/>
+            </a:schemeClr>
+          </a:lnRef>
+          <a:fillRef idx="1">
+            <a:schemeClr val="accent1"/>
+          </a:fillRef>
+          <a:effectRef idx="0">
+            <a:schemeClr val="accent1"/>
+          </a:effectRef>
+          <a:fontRef idx="minor">
+            <a:schemeClr val="lt1"/>
+          </a:fontRef>
+        </p:style>
+        <p:txBody>
+          <a:bodyPr rot="0" spcFirstLastPara="0" vertOverflow="overflow" horzOverflow="overflow" vert="horz" wrap="square" lIns="91440" tIns="45720" rIns="91440" bIns="45720" numCol="1" spcCol="0" rtlCol="0" fromWordArt="0" anchor="t" anchorCtr="0" forceAA="0" compatLnSpc="1">
+            <a:prstTxWarp prst="textNoShape">
+              <a:avLst/>
+            </a:prstTxWarp>
+            <a:noAutofit/>
+          </a:bodyPr>
+          <a:lstStyle>
+            <a:defPPr>
+              <a:defRPr lang="en-US"/>
+            </a:defPPr>
+            <a:lvl1pPr algn="ctr">
+              <a:defRPr>
+                <a:solidFill>
+                  <a:schemeClr val="lt1"/>
+                </a:solidFill>
+              </a:defRPr>
+            </a:lvl1pPr>
+            <a:lvl2pPr>
+              <a:defRPr>
+                <a:solidFill>
+                  <a:schemeClr val="lt1"/>
+                </a:solidFill>
+              </a:defRPr>
+            </a:lvl2pPr>
+            <a:lvl3pPr>
+              <a:defRPr>
+                <a:solidFill>
+                  <a:schemeClr val="lt1"/>
+                </a:solidFill>
+              </a:defRPr>
+            </a:lvl3pPr>
+            <a:lvl4pPr>
+              <a:defRPr>
+                <a:solidFill>
+                  <a:schemeClr val="lt1"/>
+                </a:solidFill>
+              </a:defRPr>
+            </a:lvl4pPr>
+            <a:lvl5pPr>
+              <a:defRPr>
+                <a:solidFill>
+                  <a:schemeClr val="lt1"/>
+                </a:solidFill>
+              </a:defRPr>
+            </a:lvl5pPr>
+            <a:lvl6pPr>
+              <a:defRPr>
+                <a:solidFill>
+                  <a:schemeClr val="lt1"/>
+                </a:solidFill>
+              </a:defRPr>
+            </a:lvl6pPr>
+            <a:lvl7pPr>
+              <a:defRPr>
+                <a:solidFill>
+                  <a:schemeClr val="lt1"/>
+                </a:solidFill>
+              </a:defRPr>
+            </a:lvl7pPr>
+            <a:lvl8pPr>
+              <a:defRPr>
+                <a:solidFill>
+                  <a:schemeClr val="lt1"/>
+                </a:solidFill>
+              </a:defRPr>
+            </a:lvl8pPr>
+            <a:lvl9pPr>
+              <a:defRPr>
+                <a:solidFill>
+                  <a:schemeClr val="lt1"/>
+                </a:solidFill>
+              </a:defRPr>
+            </a:lvl9pPr>
+          </a:lstStyle>
+          <a:p>
+            <a:r>
+              <a:rPr lang="de-DE" sz="1600" b="1" dirty="0" smtClean="0">
+                <a:solidFill>
+                  <a:schemeClr val="tx1"/>
+                </a:solidFill>
+              </a:rPr>
+              <a:t>GUI::</a:t>
+            </a:r>
+            <a:r>
+              <a:rPr lang="de-DE" sz="1600" b="1" dirty="0" err="1" smtClean="0">
+                <a:solidFill>
+                  <a:schemeClr val="tx1"/>
+                </a:solidFill>
+              </a:rPr>
+              <a:t>FormMain</a:t>
+            </a:r>
+            <a:endParaRPr lang="de-DE" sz="1600" b="1" dirty="0" smtClean="0">
+              <a:solidFill>
+                <a:schemeClr val="tx1"/>
+              </a:solidFill>
+            </a:endParaRPr>
+          </a:p>
+          <a:p>
+            <a:endParaRPr lang="de-DE" sz="1600" dirty="0">
+              <a:solidFill>
+                <a:schemeClr val="tx1"/>
+              </a:solidFill>
+            </a:endParaRPr>
+          </a:p>
+          <a:p>
+            <a:endParaRPr lang="de-DE" sz="1400" dirty="0" smtClean="0">
+              <a:solidFill>
+                <a:schemeClr val="tx1"/>
+              </a:solidFill>
+            </a:endParaRPr>
+          </a:p>
+          <a:p>
+            <a:r>
+              <a:rPr lang="de-DE" sz="1400" dirty="0" err="1" smtClean="0">
+                <a:solidFill>
+                  <a:schemeClr val="tx1"/>
+                </a:solidFill>
+              </a:rPr>
+              <a:t>Logic</a:t>
+            </a:r>
+            <a:r>
+              <a:rPr lang="de-DE" sz="1400" dirty="0" smtClean="0">
+                <a:solidFill>
+                  <a:schemeClr val="tx1"/>
+                </a:solidFill>
+              </a:rPr>
+              <a:t> : </a:t>
+            </a:r>
+            <a:r>
+              <a:rPr lang="de-DE" sz="1400" dirty="0" err="1" smtClean="0">
+                <a:solidFill>
+                  <a:schemeClr val="tx1"/>
+                </a:solidFill>
+              </a:rPr>
+              <a:t>ITuringLogic</a:t>
+            </a:r>
+            <a:endParaRPr lang="de-DE" sz="1400" dirty="0" smtClean="0">
+              <a:solidFill>
+                <a:schemeClr val="tx1"/>
+              </a:solidFill>
+            </a:endParaRPr>
+          </a:p>
+        </p:txBody>
+      </p:sp>
+      <p:cxnSp>
+        <p:nvCxnSpPr>
+          <p:cNvPr id="34" name="Gerader Verbinder 33"/>
+          <p:cNvCxnSpPr/>
+          <p:nvPr/>
+        </p:nvCxnSpPr>
+        <p:spPr>
+          <a:xfrm>
+            <a:off x="1069848" y="3164789"/>
+            <a:ext cx="2206753" cy="0"/>
+          </a:xfrm>
+          <a:prstGeom prst="line">
+            <a:avLst/>
+          </a:prstGeom>
+        </p:spPr>
+        <p:style>
+          <a:lnRef idx="1">
+            <a:schemeClr val="dk1"/>
+          </a:lnRef>
+          <a:fillRef idx="0">
+            <a:schemeClr val="dk1"/>
+          </a:fillRef>
+          <a:effectRef idx="0">
+            <a:schemeClr val="dk1"/>
+          </a:effectRef>
+          <a:fontRef idx="minor">
+            <a:schemeClr val="tx1"/>
+          </a:fontRef>
+        </p:style>
+      </p:cxnSp>
+      <p:sp>
+        <p:nvSpPr>
+          <p:cNvPr id="35" name="Textfeld 34"/>
+          <p:cNvSpPr txBox="1"/>
+          <p:nvPr/>
+        </p:nvSpPr>
+        <p:spPr>
+          <a:xfrm>
+            <a:off x="8453520" y="2571366"/>
+            <a:ext cx="3003192" cy="1141614"/>
+          </a:xfrm>
+          <a:prstGeom prst="rect">
+            <a:avLst/>
+          </a:prstGeom>
+        </p:spPr>
+        <p:style>
+          <a:lnRef idx="2">
+            <a:schemeClr val="accent1">
+              <a:shade val="50000"/>
+            </a:schemeClr>
+          </a:lnRef>
+          <a:fillRef idx="1">
+            <a:schemeClr val="accent1"/>
+          </a:fillRef>
+          <a:effectRef idx="0">
+            <a:schemeClr val="accent1"/>
+          </a:effectRef>
+          <a:fontRef idx="minor">
+            <a:schemeClr val="lt1"/>
+          </a:fontRef>
+        </p:style>
+        <p:txBody>
+          <a:bodyPr rot="0" spcFirstLastPara="0" vertOverflow="overflow" horzOverflow="overflow" vert="horz" wrap="square" lIns="91440" tIns="45720" rIns="91440" bIns="45720" numCol="1" spcCol="0" rtlCol="0" fromWordArt="0" anchor="t" anchorCtr="0" forceAA="0" compatLnSpc="1">
+            <a:prstTxWarp prst="textNoShape">
+              <a:avLst/>
+            </a:prstTxWarp>
+            <a:noAutofit/>
+          </a:bodyPr>
+          <a:lstStyle>
+            <a:defPPr>
+              <a:defRPr lang="en-US"/>
+            </a:defPPr>
+            <a:lvl1pPr algn="ctr">
+              <a:defRPr>
+                <a:solidFill>
+                  <a:schemeClr val="lt1"/>
+                </a:solidFill>
+              </a:defRPr>
+            </a:lvl1pPr>
+            <a:lvl2pPr>
+              <a:defRPr>
+                <a:solidFill>
+                  <a:schemeClr val="lt1"/>
+                </a:solidFill>
+              </a:defRPr>
+            </a:lvl2pPr>
+            <a:lvl3pPr>
+              <a:defRPr>
+                <a:solidFill>
+                  <a:schemeClr val="lt1"/>
+                </a:solidFill>
+              </a:defRPr>
+            </a:lvl3pPr>
+            <a:lvl4pPr>
+              <a:defRPr>
+                <a:solidFill>
+                  <a:schemeClr val="lt1"/>
+                </a:solidFill>
+              </a:defRPr>
+            </a:lvl4pPr>
+            <a:lvl5pPr>
+              <a:defRPr>
+                <a:solidFill>
+                  <a:schemeClr val="lt1"/>
+                </a:solidFill>
+              </a:defRPr>
+            </a:lvl5pPr>
+            <a:lvl6pPr>
+              <a:defRPr>
+                <a:solidFill>
+                  <a:schemeClr val="lt1"/>
+                </a:solidFill>
+              </a:defRPr>
+            </a:lvl6pPr>
+            <a:lvl7pPr>
+              <a:defRPr>
+                <a:solidFill>
+                  <a:schemeClr val="lt1"/>
+                </a:solidFill>
+              </a:defRPr>
+            </a:lvl7pPr>
+            <a:lvl8pPr>
+              <a:defRPr>
+                <a:solidFill>
+                  <a:schemeClr val="lt1"/>
+                </a:solidFill>
+              </a:defRPr>
+            </a:lvl8pPr>
+            <a:lvl9pPr>
+              <a:defRPr>
+                <a:solidFill>
+                  <a:schemeClr val="lt1"/>
+                </a:solidFill>
+              </a:defRPr>
+            </a:lvl9pPr>
+          </a:lstStyle>
+          <a:p>
+            <a:r>
+              <a:rPr lang="de-DE" sz="1600" b="1" dirty="0" err="1" smtClean="0">
+                <a:solidFill>
+                  <a:schemeClr val="tx1"/>
+                </a:solidFill>
+              </a:rPr>
+              <a:t>Tests.LogicTests</a:t>
+            </a:r>
+            <a:endParaRPr lang="de-DE" sz="1600" b="1" dirty="0" smtClean="0">
+              <a:solidFill>
+                <a:schemeClr val="tx1"/>
+              </a:solidFill>
+            </a:endParaRPr>
+          </a:p>
+          <a:p>
+            <a:endParaRPr lang="de-DE" sz="1600" b="1" dirty="0">
+              <a:solidFill>
+                <a:schemeClr val="tx1"/>
+              </a:solidFill>
+            </a:endParaRPr>
+          </a:p>
+          <a:p>
+            <a:endParaRPr lang="de-DE" sz="1600" b="1" dirty="0" smtClean="0">
+              <a:solidFill>
+                <a:schemeClr val="tx1"/>
+              </a:solidFill>
+            </a:endParaRPr>
+          </a:p>
+          <a:p>
+            <a:r>
+              <a:rPr lang="de-DE" sz="1400" dirty="0" err="1">
+                <a:solidFill>
+                  <a:schemeClr val="tx1"/>
+                </a:solidFill>
+              </a:rPr>
+              <a:t>TestStart</a:t>
+            </a:r>
+            <a:r>
+              <a:rPr lang="de-DE" sz="1400" dirty="0">
+                <a:solidFill>
+                  <a:schemeClr val="tx1"/>
+                </a:solidFill>
+              </a:rPr>
+              <a:t>(</a:t>
+            </a:r>
+            <a:r>
+              <a:rPr lang="de-DE" sz="1400" dirty="0" err="1">
+                <a:solidFill>
+                  <a:schemeClr val="tx1"/>
+                </a:solidFill>
+              </a:rPr>
+              <a:t>ITuringLogic</a:t>
+            </a:r>
+            <a:r>
+              <a:rPr lang="de-DE" sz="1400" dirty="0">
+                <a:solidFill>
+                  <a:schemeClr val="tx1"/>
+                </a:solidFill>
+              </a:rPr>
+              <a:t> </a:t>
+            </a:r>
+            <a:r>
+              <a:rPr lang="de-DE" sz="1400" dirty="0" err="1">
+                <a:solidFill>
+                  <a:schemeClr val="tx1"/>
+                </a:solidFill>
+              </a:rPr>
+              <a:t>logic</a:t>
+            </a:r>
+            <a:r>
+              <a:rPr lang="de-DE" sz="1400" dirty="0">
+                <a:solidFill>
+                  <a:schemeClr val="tx1"/>
+                </a:solidFill>
+              </a:rPr>
+              <a:t>)</a:t>
+            </a:r>
+          </a:p>
+          <a:p>
+            <a:endParaRPr lang="de-DE" sz="1600" dirty="0">
+              <a:solidFill>
+                <a:schemeClr val="tx1"/>
+              </a:solidFill>
+            </a:endParaRPr>
+          </a:p>
+        </p:txBody>
+      </p:sp>
+      <p:sp>
+        <p:nvSpPr>
+          <p:cNvPr id="36" name="Raute 35"/>
+          <p:cNvSpPr/>
+          <p:nvPr/>
+        </p:nvSpPr>
+        <p:spPr>
+          <a:xfrm>
+            <a:off x="3276601" y="4642388"/>
+            <a:ext cx="490451" cy="236945"/>
+          </a:xfrm>
+          <a:prstGeom prst="diamond">
+            <a:avLst/>
+          </a:prstGeom>
+          <a:noFill/>
+          <a:ln w="22225">
+            <a:solidFill>
+              <a:schemeClr val="tx1"/>
+            </a:solidFill>
+          </a:ln>
+        </p:spPr>
+        <p:style>
+          <a:lnRef idx="2">
+            <a:schemeClr val="accent1">
+              <a:shade val="50000"/>
+            </a:schemeClr>
+          </a:lnRef>
+          <a:fillRef idx="1">
+            <a:schemeClr val="accent1"/>
+          </a:fillRef>
+          <a:effectRef idx="0">
+            <a:schemeClr val="accent1"/>
+          </a:effectRef>
+          <a:fontRef idx="minor">
+            <a:schemeClr val="lt1"/>
+          </a:fontRef>
+        </p:style>
+        <p:txBody>
+          <a:bodyPr rtlCol="0" anchor="ctr"/>
+          <a:lstStyle/>
+          <a:p>
+            <a:pPr algn="ctr"/>
+            <a:endParaRPr lang="de-DE"/>
+          </a:p>
+        </p:txBody>
+      </p:sp>
+      <p:cxnSp>
+        <p:nvCxnSpPr>
+          <p:cNvPr id="38" name="Gerader Verbinder 37"/>
+          <p:cNvCxnSpPr/>
+          <p:nvPr/>
+        </p:nvCxnSpPr>
+        <p:spPr>
+          <a:xfrm>
+            <a:off x="3767052" y="4757843"/>
+            <a:ext cx="1291823" cy="507577"/>
+          </a:xfrm>
+          <a:prstGeom prst="line">
+            <a:avLst/>
+          </a:prstGeom>
+          <a:ln w="22225">
+            <a:solidFill>
+              <a:schemeClr val="tx1"/>
+            </a:solidFill>
+          </a:ln>
+        </p:spPr>
+        <p:style>
+          <a:lnRef idx="1">
+            <a:schemeClr val="accent1"/>
+          </a:lnRef>
+          <a:fillRef idx="0">
+            <a:schemeClr val="accent1"/>
+          </a:fillRef>
+          <a:effectRef idx="0">
+            <a:schemeClr val="accent1"/>
+          </a:effectRef>
+          <a:fontRef idx="minor">
+            <a:schemeClr val="tx1"/>
+          </a:fontRef>
+        </p:style>
+      </p:cxnSp>
+      <p:sp>
+        <p:nvSpPr>
+          <p:cNvPr id="39" name="Textfeld 38"/>
+          <p:cNvSpPr txBox="1"/>
+          <p:nvPr/>
+        </p:nvSpPr>
+        <p:spPr>
+          <a:xfrm>
+            <a:off x="7499649" y="3996004"/>
+            <a:ext cx="309700" cy="369332"/>
+          </a:xfrm>
+          <a:prstGeom prst="rect">
+            <a:avLst/>
+          </a:prstGeom>
+          <a:noFill/>
+        </p:spPr>
+        <p:txBody>
+          <a:bodyPr wrap="none" rtlCol="0">
+            <a:spAutoFit/>
+          </a:bodyPr>
+          <a:lstStyle/>
+          <a:p>
+            <a:r>
+              <a:rPr lang="de-DE" dirty="0"/>
+              <a:t>1</a:t>
+            </a:r>
+            <a:endParaRPr lang="de-DE" dirty="0"/>
+          </a:p>
+        </p:txBody>
+      </p:sp>
+      <p:sp>
+        <p:nvSpPr>
+          <p:cNvPr id="40" name="Textfeld 39"/>
+          <p:cNvSpPr txBox="1"/>
+          <p:nvPr/>
+        </p:nvSpPr>
+        <p:spPr>
+          <a:xfrm>
+            <a:off x="5058875" y="5168398"/>
+            <a:ext cx="2408809" cy="556869"/>
+          </a:xfrm>
+          <a:prstGeom prst="rect">
+            <a:avLst/>
+          </a:prstGeom>
+        </p:spPr>
+        <p:style>
+          <a:lnRef idx="2">
+            <a:schemeClr val="accent1">
+              <a:shade val="50000"/>
+            </a:schemeClr>
+          </a:lnRef>
+          <a:fillRef idx="1">
+            <a:schemeClr val="accent1"/>
+          </a:fillRef>
+          <a:effectRef idx="0">
+            <a:schemeClr val="accent1"/>
+          </a:effectRef>
+          <a:fontRef idx="minor">
+            <a:schemeClr val="lt1"/>
+          </a:fontRef>
+        </p:style>
+        <p:txBody>
+          <a:bodyPr rot="0" spcFirstLastPara="0" vertOverflow="overflow" horzOverflow="overflow" vert="horz" wrap="square" lIns="91440" tIns="45720" rIns="91440" bIns="45720" numCol="1" spcCol="0" rtlCol="0" fromWordArt="0" anchor="t" anchorCtr="0" forceAA="0" compatLnSpc="1">
+            <a:prstTxWarp prst="textNoShape">
+              <a:avLst/>
+            </a:prstTxWarp>
+            <a:noAutofit/>
+          </a:bodyPr>
+          <a:lstStyle>
+            <a:defPPr>
+              <a:defRPr lang="en-US"/>
+            </a:defPPr>
+            <a:lvl1pPr algn="ctr">
+              <a:defRPr>
+                <a:solidFill>
+                  <a:schemeClr val="lt1"/>
+                </a:solidFill>
+              </a:defRPr>
+            </a:lvl1pPr>
+            <a:lvl2pPr>
+              <a:defRPr>
+                <a:solidFill>
+                  <a:schemeClr val="lt1"/>
+                </a:solidFill>
+              </a:defRPr>
+            </a:lvl2pPr>
+            <a:lvl3pPr>
+              <a:defRPr>
+                <a:solidFill>
+                  <a:schemeClr val="lt1"/>
+                </a:solidFill>
+              </a:defRPr>
+            </a:lvl3pPr>
+            <a:lvl4pPr>
+              <a:defRPr>
+                <a:solidFill>
+                  <a:schemeClr val="lt1"/>
+                </a:solidFill>
+              </a:defRPr>
+            </a:lvl4pPr>
+            <a:lvl5pPr>
+              <a:defRPr>
+                <a:solidFill>
+                  <a:schemeClr val="lt1"/>
+                </a:solidFill>
+              </a:defRPr>
+            </a:lvl5pPr>
+            <a:lvl6pPr>
+              <a:defRPr>
+                <a:solidFill>
+                  <a:schemeClr val="lt1"/>
+                </a:solidFill>
+              </a:defRPr>
+            </a:lvl6pPr>
+            <a:lvl7pPr>
+              <a:defRPr>
+                <a:solidFill>
+                  <a:schemeClr val="lt1"/>
+                </a:solidFill>
+              </a:defRPr>
+            </a:lvl7pPr>
+            <a:lvl8pPr>
+              <a:defRPr>
+                <a:solidFill>
+                  <a:schemeClr val="lt1"/>
+                </a:solidFill>
+              </a:defRPr>
+            </a:lvl8pPr>
+            <a:lvl9pPr>
+              <a:defRPr>
+                <a:solidFill>
+                  <a:schemeClr val="lt1"/>
+                </a:solidFill>
+              </a:defRPr>
+            </a:lvl9pPr>
+          </a:lstStyle>
+          <a:p>
+            <a:r>
+              <a:rPr lang="de-DE" sz="1600" dirty="0">
+                <a:solidFill>
+                  <a:schemeClr val="tx1"/>
+                </a:solidFill>
+              </a:rPr>
+              <a:t>&lt;&lt;</a:t>
+            </a:r>
+            <a:r>
+              <a:rPr lang="de-DE" sz="1600" dirty="0" err="1">
+                <a:solidFill>
+                  <a:schemeClr val="tx1"/>
+                </a:solidFill>
+              </a:rPr>
+              <a:t>interface</a:t>
+            </a:r>
+            <a:r>
+              <a:rPr lang="de-DE" sz="1600" dirty="0">
+                <a:solidFill>
+                  <a:schemeClr val="tx1"/>
+                </a:solidFill>
+              </a:rPr>
+              <a:t>&gt;&gt;</a:t>
+            </a:r>
+          </a:p>
+          <a:p>
+            <a:r>
+              <a:rPr lang="de-DE" sz="1600" b="1" dirty="0" err="1">
+                <a:solidFill>
+                  <a:schemeClr val="tx1"/>
+                </a:solidFill>
+              </a:rPr>
+              <a:t>ITuringLogic</a:t>
+            </a:r>
+            <a:r>
+              <a:rPr lang="de-DE" sz="1600" b="1" dirty="0">
+                <a:solidFill>
+                  <a:schemeClr val="tx1"/>
+                </a:solidFill>
+              </a:rPr>
+              <a:t> </a:t>
+            </a:r>
+            <a:endParaRPr lang="de-DE" sz="1600" b="1" dirty="0" smtClean="0">
+              <a:solidFill>
+                <a:schemeClr val="tx1"/>
+              </a:solidFill>
+            </a:endParaRPr>
+          </a:p>
+          <a:p>
+            <a:endParaRPr lang="de-DE" sz="1600" dirty="0">
+              <a:solidFill>
+                <a:schemeClr val="tx1"/>
+              </a:solidFill>
+            </a:endParaRPr>
+          </a:p>
+        </p:txBody>
+      </p:sp>
+      <p:cxnSp>
+        <p:nvCxnSpPr>
+          <p:cNvPr id="43" name="Gerade Verbindung mit Pfeil 42"/>
+          <p:cNvCxnSpPr/>
+          <p:nvPr/>
+        </p:nvCxnSpPr>
+        <p:spPr>
+          <a:xfrm flipV="1">
+            <a:off x="5252558" y="3142172"/>
+            <a:ext cx="0" cy="2011691"/>
+          </a:xfrm>
+          <a:prstGeom prst="straightConnector1">
+            <a:avLst/>
+          </a:prstGeom>
+          <a:ln w="22225">
+            <a:solidFill>
+              <a:schemeClr val="tx1"/>
+            </a:solidFill>
+            <a:prstDash val="dash"/>
+            <a:tailEnd type="triangle" w="lg" len="lg"/>
+          </a:ln>
+        </p:spPr>
+        <p:style>
+          <a:lnRef idx="1">
+            <a:schemeClr val="accent1"/>
+          </a:lnRef>
+          <a:fillRef idx="0">
+            <a:schemeClr val="accent1"/>
+          </a:fillRef>
+          <a:effectRef idx="0">
+            <a:schemeClr val="accent1"/>
+          </a:effectRef>
+          <a:fontRef idx="minor">
+            <a:schemeClr val="tx1"/>
+          </a:fontRef>
+        </p:style>
+      </p:cxnSp>
+      <p:sp>
+        <p:nvSpPr>
+          <p:cNvPr id="46" name="Raute 45"/>
+          <p:cNvSpPr/>
+          <p:nvPr/>
+        </p:nvSpPr>
+        <p:spPr>
+          <a:xfrm>
+            <a:off x="7963067" y="3476033"/>
+            <a:ext cx="490451" cy="236945"/>
+          </a:xfrm>
+          <a:prstGeom prst="diamond">
+            <a:avLst/>
+          </a:prstGeom>
+          <a:noFill/>
+          <a:ln w="22225">
+            <a:solidFill>
+              <a:schemeClr val="tx1"/>
+            </a:solidFill>
+          </a:ln>
+        </p:spPr>
+        <p:style>
+          <a:lnRef idx="2">
+            <a:schemeClr val="accent1">
+              <a:shade val="50000"/>
+            </a:schemeClr>
+          </a:lnRef>
+          <a:fillRef idx="1">
+            <a:schemeClr val="accent1"/>
+          </a:fillRef>
+          <a:effectRef idx="0">
+            <a:schemeClr val="accent1"/>
+          </a:effectRef>
+          <a:fontRef idx="minor">
+            <a:schemeClr val="lt1"/>
+          </a:fontRef>
+        </p:style>
+        <p:txBody>
+          <a:bodyPr rtlCol="0" anchor="ctr"/>
+          <a:lstStyle/>
+          <a:p>
+            <a:pPr algn="ctr"/>
+            <a:endParaRPr lang="de-DE"/>
+          </a:p>
+        </p:txBody>
+      </p:sp>
+      <p:cxnSp>
+        <p:nvCxnSpPr>
+          <p:cNvPr id="47" name="Gerader Verbinder 46"/>
+          <p:cNvCxnSpPr>
+            <a:endCxn id="46" idx="1"/>
+          </p:cNvCxnSpPr>
+          <p:nvPr/>
+        </p:nvCxnSpPr>
+        <p:spPr>
+          <a:xfrm flipV="1">
+            <a:off x="7467684" y="3594506"/>
+            <a:ext cx="495383" cy="1670914"/>
+          </a:xfrm>
+          <a:prstGeom prst="line">
+            <a:avLst/>
+          </a:prstGeom>
+          <a:ln w="22225">
+            <a:solidFill>
+              <a:schemeClr val="tx1"/>
+            </a:solidFill>
+          </a:ln>
+        </p:spPr>
+        <p:style>
+          <a:lnRef idx="1">
+            <a:schemeClr val="accent1"/>
+          </a:lnRef>
+          <a:fillRef idx="0">
+            <a:schemeClr val="accent1"/>
+          </a:fillRef>
+          <a:effectRef idx="0">
+            <a:schemeClr val="accent1"/>
+          </a:effectRef>
+          <a:fontRef idx="minor">
+            <a:schemeClr val="tx1"/>
+          </a:fontRef>
+        </p:style>
+      </p:cxnSp>
+      <p:cxnSp>
+        <p:nvCxnSpPr>
+          <p:cNvPr id="49" name="Gerader Verbinder 48"/>
+          <p:cNvCxnSpPr>
+            <a:stCxn id="35" idx="1"/>
+            <a:endCxn id="35" idx="3"/>
+          </p:cNvCxnSpPr>
+          <p:nvPr/>
+        </p:nvCxnSpPr>
+        <p:spPr>
+          <a:xfrm>
+            <a:off x="8453520" y="3142173"/>
+            <a:ext cx="3003192" cy="0"/>
+          </a:xfrm>
+          <a:prstGeom prst="line">
+            <a:avLst/>
+          </a:prstGeom>
+        </p:spPr>
+        <p:style>
+          <a:lnRef idx="1">
+            <a:schemeClr val="dk1"/>
+          </a:lnRef>
+          <a:fillRef idx="0">
+            <a:schemeClr val="dk1"/>
+          </a:fillRef>
+          <a:effectRef idx="0">
+            <a:schemeClr val="dk1"/>
+          </a:effectRef>
+          <a:fontRef idx="minor">
+            <a:schemeClr val="tx1"/>
+          </a:fontRef>
+        </p:style>
+      </p:cxnSp>
+      <p:sp>
+        <p:nvSpPr>
+          <p:cNvPr id="53" name="Textfeld 52"/>
+          <p:cNvSpPr txBox="1"/>
+          <p:nvPr/>
+        </p:nvSpPr>
+        <p:spPr>
+          <a:xfrm>
+            <a:off x="3875918" y="4457722"/>
+            <a:ext cx="309700" cy="369332"/>
+          </a:xfrm>
+          <a:prstGeom prst="rect">
+            <a:avLst/>
+          </a:prstGeom>
+          <a:noFill/>
+        </p:spPr>
+        <p:txBody>
+          <a:bodyPr wrap="none" rtlCol="0">
+            <a:spAutoFit/>
+          </a:bodyPr>
+          <a:lstStyle/>
+          <a:p>
+            <a:r>
+              <a:rPr lang="de-DE" dirty="0" smtClean="0"/>
+              <a:t>1</a:t>
+            </a:r>
+            <a:endParaRPr lang="de-DE" dirty="0"/>
+          </a:p>
+        </p:txBody>
+      </p:sp>
+      <p:sp>
+        <p:nvSpPr>
+          <p:cNvPr id="55" name="Datumsplatzhalter 54"/>
+          <p:cNvSpPr>
+            <a:spLocks noGrp="1"/>
+          </p:cNvSpPr>
+          <p:nvPr>
+            <p:ph type="dt" sz="half" idx="10"/>
+          </p:nvPr>
+        </p:nvSpPr>
+        <p:spPr/>
+        <p:txBody>
+          <a:bodyPr/>
+          <a:lstStyle/>
+          <a:p>
+            <a:fld id="{AAC49938-9F48-4986-8A79-6660287D4875}" type="datetime1">
+              <a:rPr lang="de-DE" smtClean="0"/>
+              <a:t>01.02.2015</a:t>
+            </a:fld>
+            <a:endParaRPr lang="en-US" dirty="0"/>
+          </a:p>
+        </p:txBody>
+      </p:sp>
+      <p:sp>
+        <p:nvSpPr>
+          <p:cNvPr id="56" name="Fußzeilenplatzhalter 55"/>
+          <p:cNvSpPr>
+            <a:spLocks noGrp="1"/>
+          </p:cNvSpPr>
+          <p:nvPr>
+            <p:ph type="ftr" sz="quarter" idx="11"/>
+          </p:nvPr>
+        </p:nvSpPr>
+        <p:spPr/>
+        <p:txBody>
+          <a:bodyPr/>
+          <a:lstStyle/>
+          <a:p>
+            <a:r>
+              <a:rPr lang="en-US" smtClean="0"/>
+              <a:t>Sascha Schwegelbauer / sascha@schwegelbauer.de</a:t>
+            </a:r>
+            <a:endParaRPr lang="en-US" dirty="0"/>
+          </a:p>
+        </p:txBody>
+      </p:sp>
+      <p:sp>
+        <p:nvSpPr>
+          <p:cNvPr id="57" name="Foliennummernplatzhalter 56"/>
+          <p:cNvSpPr>
+            <a:spLocks noGrp="1"/>
+          </p:cNvSpPr>
+          <p:nvPr>
+            <p:ph type="sldNum" sz="quarter" idx="12"/>
+          </p:nvPr>
+        </p:nvSpPr>
+        <p:spPr/>
+        <p:txBody>
+          <a:bodyPr/>
+          <a:lstStyle/>
+          <a:p>
+            <a:fld id="{519954A3-9DFD-4C44-94BA-B95130A3BA1C}" type="slidenum">
+              <a:rPr lang="en-US" smtClean="0"/>
+              <a:t>7</a:t>
+            </a:fld>
+            <a:endParaRPr lang="en-US" dirty="0"/>
+          </a:p>
+        </p:txBody>
+      </p:sp>
+      <p:sp>
+        <p:nvSpPr>
+          <p:cNvPr id="29" name="Textfeld 28"/>
+          <p:cNvSpPr txBox="1"/>
+          <p:nvPr/>
+        </p:nvSpPr>
+        <p:spPr>
+          <a:xfrm>
+            <a:off x="5449495" y="3309102"/>
+            <a:ext cx="2318859" cy="570806"/>
+          </a:xfrm>
+          <a:prstGeom prst="rect">
+            <a:avLst/>
+          </a:prstGeom>
+        </p:spPr>
+        <p:style>
+          <a:lnRef idx="2">
+            <a:schemeClr val="accent1">
+              <a:shade val="50000"/>
+            </a:schemeClr>
+          </a:lnRef>
+          <a:fillRef idx="1">
+            <a:schemeClr val="accent1"/>
+          </a:fillRef>
+          <a:effectRef idx="0">
+            <a:schemeClr val="accent1"/>
+          </a:effectRef>
+          <a:fontRef idx="minor">
+            <a:schemeClr val="lt1"/>
+          </a:fontRef>
+        </p:style>
+        <p:txBody>
+          <a:bodyPr rot="0" spcFirstLastPara="0" vertOverflow="overflow" horzOverflow="overflow" vert="horz" wrap="square" lIns="91440" tIns="45720" rIns="91440" bIns="45720" numCol="1" spcCol="0" rtlCol="0" fromWordArt="0" anchor="t" anchorCtr="0" forceAA="0" compatLnSpc="1">
+            <a:prstTxWarp prst="textNoShape">
+              <a:avLst/>
+            </a:prstTxWarp>
+            <a:noAutofit/>
+          </a:bodyPr>
+          <a:lstStyle>
+            <a:defPPr>
+              <a:defRPr lang="en-US"/>
+            </a:defPPr>
+            <a:lvl1pPr algn="ctr">
+              <a:defRPr>
+                <a:solidFill>
+                  <a:schemeClr val="lt1"/>
+                </a:solidFill>
+              </a:defRPr>
+            </a:lvl1pPr>
+            <a:lvl2pPr>
+              <a:defRPr>
+                <a:solidFill>
+                  <a:schemeClr val="lt1"/>
+                </a:solidFill>
+              </a:defRPr>
+            </a:lvl2pPr>
+            <a:lvl3pPr>
+              <a:defRPr>
+                <a:solidFill>
+                  <a:schemeClr val="lt1"/>
+                </a:solidFill>
+              </a:defRPr>
+            </a:lvl3pPr>
+            <a:lvl4pPr>
+              <a:defRPr>
+                <a:solidFill>
+                  <a:schemeClr val="lt1"/>
+                </a:solidFill>
+              </a:defRPr>
+            </a:lvl4pPr>
+            <a:lvl5pPr>
+              <a:defRPr>
+                <a:solidFill>
+                  <a:schemeClr val="lt1"/>
+                </a:solidFill>
+              </a:defRPr>
+            </a:lvl5pPr>
+            <a:lvl6pPr>
+              <a:defRPr>
+                <a:solidFill>
+                  <a:schemeClr val="lt1"/>
+                </a:solidFill>
+              </a:defRPr>
+            </a:lvl6pPr>
+            <a:lvl7pPr>
+              <a:defRPr>
+                <a:solidFill>
+                  <a:schemeClr val="lt1"/>
+                </a:solidFill>
+              </a:defRPr>
+            </a:lvl7pPr>
+            <a:lvl8pPr>
+              <a:defRPr>
+                <a:solidFill>
+                  <a:schemeClr val="lt1"/>
+                </a:solidFill>
+              </a:defRPr>
+            </a:lvl8pPr>
+            <a:lvl9pPr>
+              <a:defRPr>
+                <a:solidFill>
+                  <a:schemeClr val="lt1"/>
+                </a:solidFill>
+              </a:defRPr>
+            </a:lvl9pPr>
+          </a:lstStyle>
+          <a:p>
+            <a:r>
+              <a:rPr lang="de-DE" sz="1600" b="1" dirty="0" err="1" smtClean="0">
+                <a:solidFill>
+                  <a:schemeClr val="tx1"/>
+                </a:solidFill>
+              </a:rPr>
+              <a:t>CS.Core.TuringLogic</a:t>
+            </a:r>
+            <a:endParaRPr lang="de-DE" sz="1600" b="1" dirty="0" smtClean="0">
+              <a:solidFill>
+                <a:schemeClr val="tx1"/>
+              </a:solidFill>
+            </a:endParaRPr>
+          </a:p>
+          <a:p>
+            <a:endParaRPr lang="de-DE" sz="1600" dirty="0">
+              <a:solidFill>
+                <a:schemeClr val="tx1"/>
+              </a:solidFill>
+            </a:endParaRPr>
+          </a:p>
+        </p:txBody>
+      </p:sp>
+      <p:cxnSp>
+        <p:nvCxnSpPr>
+          <p:cNvPr id="31" name="Gerade Verbindung mit Pfeil 30"/>
+          <p:cNvCxnSpPr/>
+          <p:nvPr/>
+        </p:nvCxnSpPr>
+        <p:spPr>
+          <a:xfrm flipV="1">
+            <a:off x="6486998" y="3879908"/>
+            <a:ext cx="0" cy="1273955"/>
+          </a:xfrm>
+          <a:prstGeom prst="straightConnector1">
+            <a:avLst/>
+          </a:prstGeom>
+          <a:ln w="22225">
+            <a:solidFill>
+              <a:schemeClr val="tx1"/>
+            </a:solidFill>
+            <a:prstDash val="dash"/>
+            <a:tailEnd type="triangle" w="lg" len="lg"/>
+          </a:ln>
+        </p:spPr>
+        <p:style>
+          <a:lnRef idx="1">
+            <a:schemeClr val="accent1"/>
+          </a:lnRef>
+          <a:fillRef idx="0">
+            <a:schemeClr val="accent1"/>
+          </a:fillRef>
+          <a:effectRef idx="0">
+            <a:schemeClr val="accent1"/>
+          </a:effectRef>
+          <a:fontRef idx="minor">
+            <a:schemeClr val="tx1"/>
+          </a:fontRef>
+        </p:style>
+      </p:cxnSp>
+    </p:spTree>
+    <p:extLst>
+      <p:ext uri="{BB962C8B-B14F-4D97-AF65-F5344CB8AC3E}">
+        <p14:creationId xmlns:p14="http://schemas.microsoft.com/office/powerpoint/2010/main" val="1716715164"/>
+      </p:ext>
+    </p:extLst>
+  </p:cSld>
+  <p:clrMapOvr>
+    <a:masterClrMapping/>
+  </p:clrMapOvr>
+  <p:timing>
+    <p:tnLst>
+      <p:par>
+        <p:cTn id="1" dur="indefinite" restart="never" nodeType="tmRoot"/>
+      </p:par>
+    </p:tnLst>
+  </p:timing>
+</p:sld>
+</file>
+
+<file path=ppt/slides/slide8.xml><?xml version="1.0" encoding="utf-8"?>
+<p:sld xmlns:a="http://schemas.openxmlformats.org/drawingml/2006/main" xmlns:r="http://schemas.openxmlformats.org/officeDocument/2006/relationships" xmlns:p="http://schemas.openxmlformats.org/presentationml/2006/main">
+  <p:cSld>
+    <p:spTree>
+      <p:nvGrpSpPr>
+        <p:cNvPr id="1" name=""/>
+        <p:cNvGrpSpPr/>
+        <p:nvPr/>
+      </p:nvGrpSpPr>
+      <p:grpSpPr>
+        <a:xfrm>
+          <a:off x="0" y="0"/>
+          <a:ext cx="0" cy="0"/>
+          <a:chOff x="0" y="0"/>
+          <a:chExt cx="0" cy="0"/>
+        </a:xfrm>
+      </p:grpSpPr>
+      <p:sp>
+        <p:nvSpPr>
+          <p:cNvPr id="7" name="Titel 6"/>
+          <p:cNvSpPr>
+            <a:spLocks noGrp="1"/>
+          </p:cNvSpPr>
+          <p:nvPr>
+            <p:ph type="title"/>
+          </p:nvPr>
+        </p:nvSpPr>
+        <p:spPr/>
+        <p:txBody>
+          <a:bodyPr/>
+          <a:lstStyle/>
+          <a:p>
+            <a:r>
+              <a:rPr lang="de-DE" dirty="0" smtClean="0">
+                <a:sym typeface="Wingdings" panose="05000000000000000000" pitchFamily="2" charset="2"/>
+              </a:rPr>
+              <a:t>Visual Studio</a:t>
+            </a:r>
+            <a:endParaRPr lang="de-DE" dirty="0"/>
+          </a:p>
+        </p:txBody>
+      </p:sp>
+      <p:sp>
+        <p:nvSpPr>
+          <p:cNvPr id="8" name="Textplatzhalter 7"/>
+          <p:cNvSpPr>
+            <a:spLocks noGrp="1"/>
+          </p:cNvSpPr>
+          <p:nvPr>
+            <p:ph type="body" idx="1"/>
+          </p:nvPr>
+        </p:nvSpPr>
+        <p:spPr/>
+        <p:txBody>
+          <a:bodyPr/>
+          <a:lstStyle/>
+          <a:p>
+            <a:r>
+              <a:rPr lang="de-DE" dirty="0" smtClean="0"/>
+              <a:t>Kurze Einführung in </a:t>
+            </a:r>
+            <a:r>
+              <a:rPr lang="de-DE" smtClean="0"/>
+              <a:t>den Programmcode</a:t>
+            </a:r>
+            <a:endParaRPr lang="de-DE" dirty="0"/>
+          </a:p>
+        </p:txBody>
+      </p:sp>
+      <p:sp>
+        <p:nvSpPr>
+          <p:cNvPr id="4" name="Datumsplatzhalter 3"/>
+          <p:cNvSpPr>
+            <a:spLocks noGrp="1"/>
+          </p:cNvSpPr>
+          <p:nvPr>
+            <p:ph type="dt" sz="half" idx="10"/>
+          </p:nvPr>
+        </p:nvSpPr>
+        <p:spPr/>
+        <p:txBody>
+          <a:bodyPr/>
+          <a:lstStyle/>
+          <a:p>
+            <a:fld id="{B594FCFF-5F1A-489A-9D69-600A8F46398E}" type="datetime1">
+              <a:rPr lang="de-DE" smtClean="0"/>
+              <a:t>01.02.2015</a:t>
+            </a:fld>
+            <a:endParaRPr lang="en-US" dirty="0"/>
+          </a:p>
+        </p:txBody>
+      </p:sp>
+      <p:sp>
+        <p:nvSpPr>
+          <p:cNvPr id="5" name="Fußzeilenplatzhalter 4"/>
+          <p:cNvSpPr>
+            <a:spLocks noGrp="1"/>
+          </p:cNvSpPr>
+          <p:nvPr>
+            <p:ph type="ftr" sz="quarter" idx="11"/>
+          </p:nvPr>
+        </p:nvSpPr>
+        <p:spPr/>
+        <p:txBody>
+          <a:bodyPr/>
+          <a:lstStyle/>
+          <a:p>
+            <a:r>
+              <a:rPr lang="en-US" smtClean="0"/>
+              <a:t>Sascha Schwegelbauer / sascha@schwegelbauer.de</a:t>
+            </a:r>
+            <a:endParaRPr lang="en-US" dirty="0"/>
+          </a:p>
+        </p:txBody>
+      </p:sp>
+      <p:sp>
+        <p:nvSpPr>
+          <p:cNvPr id="6" name="Foliennummernplatzhalter 5"/>
+          <p:cNvSpPr>
+            <a:spLocks noGrp="1"/>
+          </p:cNvSpPr>
+          <p:nvPr>
+            <p:ph type="sldNum" sz="quarter" idx="12"/>
+          </p:nvPr>
+        </p:nvSpPr>
+        <p:spPr/>
+        <p:txBody>
+          <a:bodyPr/>
+          <a:lstStyle/>
+          <a:p>
+            <a:fld id="{519954A3-9DFD-4C44-94BA-B95130A3BA1C}" type="slidenum">
+              <a:rPr lang="en-US" smtClean="0"/>
+              <a:t>8</a:t>
+            </a:fld>
+            <a:endParaRPr lang="en-US" dirty="0"/>
+          </a:p>
+        </p:txBody>
+      </p:sp>
+    </p:spTree>
+    <p:extLst>
+      <p:ext uri="{BB962C8B-B14F-4D97-AF65-F5344CB8AC3E}">
+        <p14:creationId xmlns:p14="http://schemas.microsoft.com/office/powerpoint/2010/main" val="2767008238"/>
+      </p:ext>
+    </p:extLst>
+  </p:cSld>
+  <p:clrMapOvr>
+    <a:masterClrMapping/>
+  </p:clrMapOvr>
+</p:sld>
+</file>
+
+<file path=ppt/slides/slide9.xml><?xml version="1.0" encoding="utf-8"?>
+<p:sld xmlns:a="http://schemas.openxmlformats.org/drawingml/2006/main" xmlns:r="http://schemas.openxmlformats.org/officeDocument/2006/relationships" xmlns:p="http://schemas.openxmlformats.org/presentationml/2006/main">
+  <p:cSld>
+    <p:spTree>
+      <p:nvGrpSpPr>
+        <p:cNvPr id="1" name=""/>
+        <p:cNvGrpSpPr/>
+        <p:nvPr/>
+      </p:nvGrpSpPr>
+      <p:grpSpPr>
+        <a:xfrm>
+          <a:off x="0" y="0"/>
+          <a:ext cx="0" cy="0"/>
+          <a:chOff x="0" y="0"/>
+          <a:chExt cx="0" cy="0"/>
+        </a:xfrm>
+      </p:grpSpPr>
+      <p:sp>
+        <p:nvSpPr>
+          <p:cNvPr id="7" name="Titel 6"/>
+          <p:cNvSpPr>
+            <a:spLocks noGrp="1"/>
+          </p:cNvSpPr>
+          <p:nvPr>
+            <p:ph type="title"/>
+          </p:nvPr>
+        </p:nvSpPr>
+        <p:spPr/>
+        <p:txBody>
+          <a:bodyPr/>
+          <a:lstStyle/>
+          <a:p>
+            <a:r>
+              <a:rPr lang="de-DE" dirty="0" smtClean="0">
+                <a:sym typeface="Wingdings" panose="05000000000000000000" pitchFamily="2" charset="2"/>
+              </a:rPr>
+              <a:t>Demo „3bit Addition“</a:t>
+            </a:r>
+            <a:endParaRPr lang="de-DE" dirty="0"/>
+          </a:p>
+        </p:txBody>
+      </p:sp>
+      <p:sp>
+        <p:nvSpPr>
+          <p:cNvPr id="8" name="Textplatzhalter 7"/>
+          <p:cNvSpPr>
+            <a:spLocks noGrp="1"/>
+          </p:cNvSpPr>
+          <p:nvPr>
+            <p:ph type="body" idx="1"/>
+          </p:nvPr>
+        </p:nvSpPr>
+        <p:spPr/>
+        <p:txBody>
+          <a:bodyPr/>
+          <a:lstStyle/>
+          <a:p>
+            <a:r>
+              <a:rPr lang="de-DE" dirty="0" smtClean="0"/>
+              <a:t>Entwurf in </a:t>
+            </a:r>
+            <a:r>
+              <a:rPr lang="de-DE" dirty="0" err="1" smtClean="0"/>
+              <a:t>AutoEdit</a:t>
+            </a:r>
+            <a:r>
+              <a:rPr lang="de-DE" dirty="0" smtClean="0"/>
+              <a:t> – Vorführung in </a:t>
+            </a:r>
+            <a:r>
+              <a:rPr lang="de-DE" dirty="0" err="1" smtClean="0"/>
+              <a:t>TuringSimulator</a:t>
+            </a:r>
+            <a:endParaRPr lang="de-DE" dirty="0"/>
+          </a:p>
+        </p:txBody>
+      </p:sp>
+      <p:sp>
+        <p:nvSpPr>
+          <p:cNvPr id="4" name="Datumsplatzhalter 3"/>
+          <p:cNvSpPr>
+            <a:spLocks noGrp="1"/>
+          </p:cNvSpPr>
+          <p:nvPr>
+            <p:ph type="dt" sz="half" idx="10"/>
+          </p:nvPr>
+        </p:nvSpPr>
+        <p:spPr/>
+        <p:txBody>
+          <a:bodyPr/>
+          <a:lstStyle/>
+          <a:p>
+            <a:fld id="{B594FCFF-5F1A-489A-9D69-600A8F46398E}" type="datetime1">
+              <a:rPr lang="de-DE" smtClean="0"/>
+              <a:t>01.02.2015</a:t>
+            </a:fld>
+            <a:endParaRPr lang="en-US" dirty="0"/>
+          </a:p>
+        </p:txBody>
+      </p:sp>
+      <p:sp>
+        <p:nvSpPr>
+          <p:cNvPr id="5" name="Fußzeilenplatzhalter 4"/>
+          <p:cNvSpPr>
+            <a:spLocks noGrp="1"/>
+          </p:cNvSpPr>
+          <p:nvPr>
+            <p:ph type="ftr" sz="quarter" idx="11"/>
+          </p:nvPr>
+        </p:nvSpPr>
+        <p:spPr/>
+        <p:txBody>
+          <a:bodyPr/>
+          <a:lstStyle/>
+          <a:p>
+            <a:r>
+              <a:rPr lang="en-US" smtClean="0"/>
+              <a:t>Sascha Schwegelbauer / sascha@schwegelbauer.de</a:t>
+            </a:r>
+            <a:endParaRPr lang="en-US" dirty="0"/>
+          </a:p>
+        </p:txBody>
+      </p:sp>
+      <p:sp>
+        <p:nvSpPr>
+          <p:cNvPr id="6" name="Foliennummernplatzhalter 5"/>
+          <p:cNvSpPr>
+            <a:spLocks noGrp="1"/>
+          </p:cNvSpPr>
+          <p:nvPr>
+            <p:ph type="sldNum" sz="quarter" idx="12"/>
+          </p:nvPr>
+        </p:nvSpPr>
+        <p:spPr/>
+        <p:txBody>
+          <a:bodyPr/>
+          <a:lstStyle/>
+          <a:p>
+            <a:fld id="{519954A3-9DFD-4C44-94BA-B95130A3BA1C}" type="slidenum">
+              <a:rPr lang="en-US" smtClean="0"/>
+              <a:t>9</a:t>
+            </a:fld>
+            <a:endParaRPr lang="en-US" dirty="0"/>
+          </a:p>
+        </p:txBody>
+      </p:sp>
+    </p:spTree>
+    <p:extLst>
+      <p:ext uri="{BB962C8B-B14F-4D97-AF65-F5344CB8AC3E}">
+        <p14:creationId xmlns:p14="http://schemas.microsoft.com/office/powerpoint/2010/main" val="728888900"/>
+      </p:ext>
+    </p:extLst>
+  </p:cSld>
+  <p:clrMapOvr>
+    <a:masterClrMapping/>
+  </p:clrMapOvr>
 </p:sld>
 </file>
 
@@ -7519,7 +9272,7 @@
   <a:extraClrSchemeLst/>
   <a:extLst>
     <a:ext uri="{05A4C25C-085E-4340-85A3-A5531E510DB2}">
-      <thm15:themeFamily xmlns:thm15="http://schemas.microsoft.com/office/thememl/2012/main" name="Wood Type" id="{7ACABC62-BF99-48CF-A9DC-4DB89C7B13DC}" vid="{142A1326-48AB-42A9-8428-CB14AA30176D}"/>
+      <thm15:themeFamily xmlns="" xmlns:thm15="http://schemas.microsoft.com/office/thememl/2012/main" name="Wood Type" id="{7ACABC62-BF99-48CF-A9DC-4DB89C7B13DC}" vid="{142A1326-48AB-42A9-8428-CB14AA30176D}"/>
     </a:ext>
   </a:extLst>
 </a:theme>
@@ -7780,7 +9533,7 @@
   <a:extraClrSchemeLst/>
   <a:extLst>
     <a:ext uri="{05A4C25C-085E-4340-85A3-A5531E510DB2}">
-      <thm15:themeFamily xmlns:thm15="http://schemas.microsoft.com/office/thememl/2012/main" name="Office Theme" id="{62F939B6-93AF-4DB8-9C6B-D6C7DFDC589F}" vid="{4A3C46E8-61CC-4603-A589-7422A47A8E4A}"/>
+      <thm15:themeFamily xmlns="" xmlns:thm15="http://schemas.microsoft.com/office/thememl/2012/main" name="Office Theme" id="{62F939B6-93AF-4DB8-9C6B-D6C7DFDC589F}" vid="{4A3C46E8-61CC-4603-A589-7422A47A8E4A}"/>
     </a:ext>
   </a:extLst>
 </a:theme>
